--- a/Nummerik und Logik/Newtonverfahren/Newtonverfahren.pptx
+++ b/Nummerik und Logik/Newtonverfahren/Newtonverfahren.pptx
@@ -105,6 +105,11 @@
       </a:defRPr>
     </a:lvl9pPr>
   </p:defaultTextStyle>
+  <p:extLst>
+    <p:ext uri="{EFAFB233-063F-42B5-8137-9DF3F51BA10A}">
+      <p15:sldGuideLst xmlns:p15="http://schemas.microsoft.com/office/powerpoint/2012/main"/>
+    </p:ext>
+  </p:extLst>
 </p:presentation>
 </file>
 
@@ -3448,7 +3453,11 @@
           <a:bodyPr/>
           <a:lstStyle/>
           <a:p>
-            <a:endParaRPr lang="en-AT"/>
+            <a:r>
+              <a:rPr lang="en-GB" dirty="0" err="1"/>
+              <a:t>Erklärung</a:t>
+            </a:r>
+            <a:endParaRPr lang="en-AT" dirty="0"/>
           </a:p>
         </p:txBody>
       </p:sp>
@@ -3472,6 +3481,61 @@
         <p:txBody>
           <a:bodyPr/>
           <a:lstStyle/>
+          <a:p>
+            <a:r>
+              <a:rPr lang="en-GB" dirty="0" err="1"/>
+              <a:t>Mit</a:t>
+            </a:r>
+            <a:r>
+              <a:rPr lang="en-GB" dirty="0"/>
+              <a:t> </a:t>
+            </a:r>
+            <a:r>
+              <a:rPr lang="en-GB" dirty="0" err="1"/>
+              <a:t>dem</a:t>
+            </a:r>
+            <a:r>
+              <a:rPr lang="en-GB" dirty="0"/>
+              <a:t> Newton-</a:t>
+            </a:r>
+            <a:r>
+              <a:rPr lang="en-GB" dirty="0" err="1"/>
+              <a:t>Verfahren</a:t>
+            </a:r>
+            <a:r>
+              <a:rPr lang="en-GB" dirty="0"/>
+              <a:t> </a:t>
+            </a:r>
+            <a:r>
+              <a:rPr lang="en-GB" dirty="0" err="1"/>
+              <a:t>kann</a:t>
+            </a:r>
+            <a:r>
+              <a:rPr lang="en-GB" dirty="0"/>
+              <a:t> man die </a:t>
+            </a:r>
+            <a:r>
+              <a:rPr lang="en-GB" dirty="0" err="1"/>
+              <a:t>Nullstellen</a:t>
+            </a:r>
+            <a:r>
+              <a:rPr lang="en-GB" dirty="0"/>
+              <a:t> von </a:t>
+            </a:r>
+            <a:r>
+              <a:rPr lang="en-GB" dirty="0" err="1"/>
+              <a:t>Funktionen</a:t>
+            </a:r>
+            <a:r>
+              <a:rPr lang="en-GB" dirty="0"/>
+              <a:t> </a:t>
+            </a:r>
+            <a:r>
+              <a:rPr lang="en-GB" dirty="0" err="1"/>
+              <a:t>bestimmen</a:t>
+            </a:r>
+            <a:endParaRPr lang="en-GB"/>
+          </a:p>
           <a:p>
             <a:endParaRPr lang="en-AT"/>
           </a:p>
